--- a/NMC final yr project/G - 2 Review 3 ppt.pptx
+++ b/NMC final yr project/G - 2 Review 3 ppt.pptx
@@ -215,7 +215,7 @@
           <a:p>
             <a:fld id="{06CBF631-73E7-4523-B3AC-2671E84AB64A}" type="datetimeFigureOut">
               <a:rPr lang="en-IN" smtClean="0"/>
-              <a:t>12-10-2023</a:t>
+              <a:t>27-10-2023</a:t>
             </a:fld>
             <a:endParaRPr lang="en-IN"/>
           </a:p>
@@ -662,7 +662,7 @@
           <a:p>
             <a:fld id="{BE8162A5-DCCA-422B-8806-243543DF3A8C}" type="datetime1">
               <a:rPr lang="en-US" smtClean="0"/>
-              <a:t>10/12/2023</a:t>
+              <a:t>10/27/2023</a:t>
             </a:fld>
             <a:endParaRPr lang="en-US"/>
           </a:p>
@@ -825,7 +825,7 @@
           <a:p>
             <a:fld id="{D3593CC0-7880-499C-B15F-47CE49BD0E42}" type="datetime1">
               <a:rPr lang="en-US" smtClean="0"/>
-              <a:t>10/12/2023</a:t>
+              <a:t>10/27/2023</a:t>
             </a:fld>
             <a:endParaRPr lang="en-US"/>
           </a:p>
@@ -998,7 +998,7 @@
           <a:p>
             <a:fld id="{D43C0CCE-3E86-455F-853C-551D94DC4EF1}" type="datetime1">
               <a:rPr lang="en-US" smtClean="0"/>
-              <a:t>10/12/2023</a:t>
+              <a:t>10/27/2023</a:t>
             </a:fld>
             <a:endParaRPr lang="en-US"/>
           </a:p>
@@ -1161,7 +1161,7 @@
           <a:p>
             <a:fld id="{E8FFF587-8012-4544-B513-4159B6113D30}" type="datetime1">
               <a:rPr lang="en-US" smtClean="0"/>
-              <a:t>10/12/2023</a:t>
+              <a:t>10/27/2023</a:t>
             </a:fld>
             <a:endParaRPr lang="en-US"/>
           </a:p>
@@ -1401,7 +1401,7 @@
           <a:p>
             <a:fld id="{AFA329B3-20B2-4688-9E0F-AF04AAA652F8}" type="datetime1">
               <a:rPr lang="en-US" smtClean="0"/>
-              <a:t>10/12/2023</a:t>
+              <a:t>10/27/2023</a:t>
             </a:fld>
             <a:endParaRPr lang="en-US"/>
           </a:p>
@@ -1681,7 +1681,7 @@
           <a:p>
             <a:fld id="{2B274AB4-2468-49AA-9C2A-DE29AAB40E01}" type="datetime1">
               <a:rPr lang="en-US" smtClean="0"/>
-              <a:t>10/12/2023</a:t>
+              <a:t>10/27/2023</a:t>
             </a:fld>
             <a:endParaRPr lang="en-US"/>
           </a:p>
@@ -2095,7 +2095,7 @@
           <a:p>
             <a:fld id="{F91D7844-D28A-4149-9EE4-BFDBFE2E7866}" type="datetime1">
               <a:rPr lang="en-US" smtClean="0"/>
-              <a:t>10/12/2023</a:t>
+              <a:t>10/27/2023</a:t>
             </a:fld>
             <a:endParaRPr lang="en-US"/>
           </a:p>
@@ -2207,7 +2207,7 @@
           <a:p>
             <a:fld id="{3B33D470-629C-4B6F-8239-BCD4C68289CB}" type="datetime1">
               <a:rPr lang="en-US" smtClean="0"/>
-              <a:t>10/12/2023</a:t>
+              <a:t>10/27/2023</a:t>
             </a:fld>
             <a:endParaRPr lang="en-US"/>
           </a:p>
@@ -2297,7 +2297,7 @@
           <a:p>
             <a:fld id="{6C31940C-0B57-4C24-B85E-34CC80D40E95}" type="datetime1">
               <a:rPr lang="en-US" smtClean="0"/>
-              <a:t>10/12/2023</a:t>
+              <a:t>10/27/2023</a:t>
             </a:fld>
             <a:endParaRPr lang="en-US"/>
           </a:p>
@@ -2567,7 +2567,7 @@
           <a:p>
             <a:fld id="{BEBC553C-EE12-4408-9A76-5FF7A26F43E5}" type="datetime1">
               <a:rPr lang="en-US" smtClean="0"/>
-              <a:t>10/12/2023</a:t>
+              <a:t>10/27/2023</a:t>
             </a:fld>
             <a:endParaRPr lang="en-US"/>
           </a:p>
@@ -2814,7 +2814,7 @@
           <a:p>
             <a:fld id="{3F1F4B71-A5E1-431D-BEE5-D609443F7062}" type="datetime1">
               <a:rPr lang="en-US" smtClean="0"/>
-              <a:t>10/12/2023</a:t>
+              <a:t>10/27/2023</a:t>
             </a:fld>
             <a:endParaRPr lang="en-US"/>
           </a:p>
@@ -3020,7 +3020,7 @@
           <a:p>
             <a:fld id="{262BE383-3C76-4C5E-8762-0E90D81660C5}" type="datetime1">
               <a:rPr lang="en-US" smtClean="0"/>
-              <a:t>10/12/2023</a:t>
+              <a:t>10/27/2023</a:t>
             </a:fld>
             <a:endParaRPr lang="en-US"/>
           </a:p>
